--- a/course_material/week_13/week_13_presentation.pptx
+++ b/course_material/week_13/week_13_presentation.pptx
@@ -5,15 +5,19 @@
     <p:sldMasterId id="2147483696" r:id="rId1"/>
   </p:sldMasterIdLst>
   <p:notesMasterIdLst>
-    <p:notesMasterId r:id="rId8"/>
+    <p:notesMasterId r:id="rId12"/>
   </p:notesMasterIdLst>
   <p:sldIdLst>
     <p:sldId id="256" r:id="rId2"/>
     <p:sldId id="274" r:id="rId3"/>
     <p:sldId id="259" r:id="rId4"/>
-    <p:sldId id="312" r:id="rId5"/>
-    <p:sldId id="311" r:id="rId6"/>
-    <p:sldId id="271" r:id="rId7"/>
+    <p:sldId id="316" r:id="rId5"/>
+    <p:sldId id="312" r:id="rId6"/>
+    <p:sldId id="314" r:id="rId7"/>
+    <p:sldId id="315" r:id="rId8"/>
+    <p:sldId id="313" r:id="rId9"/>
+    <p:sldId id="311" r:id="rId10"/>
+    <p:sldId id="271" r:id="rId11"/>
   </p:sldIdLst>
   <p:sldSz cx="12192000" cy="6858000"/>
   <p:notesSz cx="6858000" cy="9144000"/>
@@ -2093,6 +2097,261 @@
     </a:lvl9pPr>
   </p:notesStyle>
 </p:notesMaster>
+</file>
+
+<file path=ppt/notesSlides/notesSlide1.xml><?xml version="1.0" encoding="utf-8"?>
+<p:notes xmlns:a="http://schemas.openxmlformats.org/drawingml/2006/main" xmlns:r="http://schemas.openxmlformats.org/officeDocument/2006/relationships" xmlns:p="http://schemas.openxmlformats.org/presentationml/2006/main">
+  <p:cSld>
+    <p:spTree>
+      <p:nvGrpSpPr>
+        <p:cNvPr id="1" name=""/>
+        <p:cNvGrpSpPr/>
+        <p:nvPr/>
+      </p:nvGrpSpPr>
+      <p:grpSpPr>
+        <a:xfrm>
+          <a:off x="0" y="0"/>
+          <a:ext cx="0" cy="0"/>
+          <a:chOff x="0" y="0"/>
+          <a:chExt cx="0" cy="0"/>
+        </a:xfrm>
+      </p:grpSpPr>
+      <p:sp>
+        <p:nvSpPr>
+          <p:cNvPr id="2" name="Slide Image Placeholder 1"/>
+          <p:cNvSpPr>
+            <a:spLocks noGrp="1" noRot="1" noChangeAspect="1"/>
+          </p:cNvSpPr>
+          <p:nvPr>
+            <p:ph type="sldImg"/>
+          </p:nvPr>
+        </p:nvSpPr>
+        <p:spPr/>
+      </p:sp>
+      <p:sp>
+        <p:nvSpPr>
+          <p:cNvPr id="3" name="Notes Placeholder 2"/>
+          <p:cNvSpPr>
+            <a:spLocks noGrp="1"/>
+          </p:cNvSpPr>
+          <p:nvPr>
+            <p:ph type="body" idx="1"/>
+          </p:nvPr>
+        </p:nvSpPr>
+        <p:spPr/>
+        <p:txBody>
+          <a:bodyPr/>
+          <a:lstStyle/>
+          <a:p>
+            <a:endParaRPr lang="en-US" dirty="0"/>
+          </a:p>
+        </p:txBody>
+      </p:sp>
+      <p:sp>
+        <p:nvSpPr>
+          <p:cNvPr id="4" name="Slide Number Placeholder 3"/>
+          <p:cNvSpPr>
+            <a:spLocks noGrp="1"/>
+          </p:cNvSpPr>
+          <p:nvPr>
+            <p:ph type="sldNum" sz="quarter" idx="5"/>
+          </p:nvPr>
+        </p:nvSpPr>
+        <p:spPr/>
+        <p:txBody>
+          <a:bodyPr/>
+          <a:lstStyle/>
+          <a:p>
+            <a:fld id="{791F1524-C5FD-4370-8A10-5BE52A97A495}" type="slidenum">
+              <a:rPr lang="en-US" smtClean="0"/>
+              <a:t>4</a:t>
+            </a:fld>
+            <a:endParaRPr lang="en-US"/>
+          </a:p>
+        </p:txBody>
+      </p:sp>
+    </p:spTree>
+    <p:extLst>
+      <p:ext uri="{BB962C8B-B14F-4D97-AF65-F5344CB8AC3E}">
+        <p14:creationId xmlns:p14="http://schemas.microsoft.com/office/powerpoint/2010/main" val="1006906985"/>
+      </p:ext>
+    </p:extLst>
+  </p:cSld>
+  <p:clrMapOvr>
+    <a:masterClrMapping/>
+  </p:clrMapOvr>
+</p:notes>
+</file>
+
+<file path=ppt/notesSlides/notesSlide2.xml><?xml version="1.0" encoding="utf-8"?>
+<p:notes xmlns:a="http://schemas.openxmlformats.org/drawingml/2006/main" xmlns:r="http://schemas.openxmlformats.org/officeDocument/2006/relationships" xmlns:p="http://schemas.openxmlformats.org/presentationml/2006/main">
+  <p:cSld>
+    <p:spTree>
+      <p:nvGrpSpPr>
+        <p:cNvPr id="1" name=""/>
+        <p:cNvGrpSpPr/>
+        <p:nvPr/>
+      </p:nvGrpSpPr>
+      <p:grpSpPr>
+        <a:xfrm>
+          <a:off x="0" y="0"/>
+          <a:ext cx="0" cy="0"/>
+          <a:chOff x="0" y="0"/>
+          <a:chExt cx="0" cy="0"/>
+        </a:xfrm>
+      </p:grpSpPr>
+      <p:sp>
+        <p:nvSpPr>
+          <p:cNvPr id="2" name="Slide Image Placeholder 1"/>
+          <p:cNvSpPr>
+            <a:spLocks noGrp="1" noRot="1" noChangeAspect="1"/>
+          </p:cNvSpPr>
+          <p:nvPr>
+            <p:ph type="sldImg"/>
+          </p:nvPr>
+        </p:nvSpPr>
+        <p:spPr/>
+      </p:sp>
+      <p:sp>
+        <p:nvSpPr>
+          <p:cNvPr id="3" name="Notes Placeholder 2"/>
+          <p:cNvSpPr>
+            <a:spLocks noGrp="1"/>
+          </p:cNvSpPr>
+          <p:nvPr>
+            <p:ph type="body" idx="1"/>
+          </p:nvPr>
+        </p:nvSpPr>
+        <p:spPr/>
+        <p:txBody>
+          <a:bodyPr/>
+          <a:lstStyle/>
+          <a:p>
+            <a:r>
+              <a:rPr lang="en-US" dirty="0"/>
+              <a:t>https://www.freecodecamp.org/news/machine-learning-mean-squared-error-regression-line-c7dde9a26b93/</a:t>
+            </a:r>
+          </a:p>
+        </p:txBody>
+      </p:sp>
+      <p:sp>
+        <p:nvSpPr>
+          <p:cNvPr id="4" name="Slide Number Placeholder 3"/>
+          <p:cNvSpPr>
+            <a:spLocks noGrp="1"/>
+          </p:cNvSpPr>
+          <p:nvPr>
+            <p:ph type="sldNum" sz="quarter" idx="5"/>
+          </p:nvPr>
+        </p:nvSpPr>
+        <p:spPr/>
+        <p:txBody>
+          <a:bodyPr/>
+          <a:lstStyle/>
+          <a:p>
+            <a:fld id="{791F1524-C5FD-4370-8A10-5BE52A97A495}" type="slidenum">
+              <a:rPr lang="en-US" smtClean="0"/>
+              <a:t>6</a:t>
+            </a:fld>
+            <a:endParaRPr lang="en-US"/>
+          </a:p>
+        </p:txBody>
+      </p:sp>
+    </p:spTree>
+    <p:extLst>
+      <p:ext uri="{BB962C8B-B14F-4D97-AF65-F5344CB8AC3E}">
+        <p14:creationId xmlns:p14="http://schemas.microsoft.com/office/powerpoint/2010/main" val="3032590862"/>
+      </p:ext>
+    </p:extLst>
+  </p:cSld>
+  <p:clrMapOvr>
+    <a:masterClrMapping/>
+  </p:clrMapOvr>
+</p:notes>
+</file>
+
+<file path=ppt/notesSlides/notesSlide3.xml><?xml version="1.0" encoding="utf-8"?>
+<p:notes xmlns:a="http://schemas.openxmlformats.org/drawingml/2006/main" xmlns:r="http://schemas.openxmlformats.org/officeDocument/2006/relationships" xmlns:p="http://schemas.openxmlformats.org/presentationml/2006/main">
+  <p:cSld>
+    <p:spTree>
+      <p:nvGrpSpPr>
+        <p:cNvPr id="1" name=""/>
+        <p:cNvGrpSpPr/>
+        <p:nvPr/>
+      </p:nvGrpSpPr>
+      <p:grpSpPr>
+        <a:xfrm>
+          <a:off x="0" y="0"/>
+          <a:ext cx="0" cy="0"/>
+          <a:chOff x="0" y="0"/>
+          <a:chExt cx="0" cy="0"/>
+        </a:xfrm>
+      </p:grpSpPr>
+      <p:sp>
+        <p:nvSpPr>
+          <p:cNvPr id="2" name="Slide Image Placeholder 1"/>
+          <p:cNvSpPr>
+            <a:spLocks noGrp="1" noRot="1" noChangeAspect="1"/>
+          </p:cNvSpPr>
+          <p:nvPr>
+            <p:ph type="sldImg"/>
+          </p:nvPr>
+        </p:nvSpPr>
+        <p:spPr/>
+      </p:sp>
+      <p:sp>
+        <p:nvSpPr>
+          <p:cNvPr id="3" name="Notes Placeholder 2"/>
+          <p:cNvSpPr>
+            <a:spLocks noGrp="1"/>
+          </p:cNvSpPr>
+          <p:nvPr>
+            <p:ph type="body" idx="1"/>
+          </p:nvPr>
+        </p:nvSpPr>
+        <p:spPr/>
+        <p:txBody>
+          <a:bodyPr/>
+          <a:lstStyle/>
+          <a:p>
+            <a:endParaRPr lang="en-US" dirty="0"/>
+          </a:p>
+        </p:txBody>
+      </p:sp>
+      <p:sp>
+        <p:nvSpPr>
+          <p:cNvPr id="4" name="Slide Number Placeholder 3"/>
+          <p:cNvSpPr>
+            <a:spLocks noGrp="1"/>
+          </p:cNvSpPr>
+          <p:nvPr>
+            <p:ph type="sldNum" sz="quarter" idx="5"/>
+          </p:nvPr>
+        </p:nvSpPr>
+        <p:spPr/>
+        <p:txBody>
+          <a:bodyPr/>
+          <a:lstStyle/>
+          <a:p>
+            <a:fld id="{791F1524-C5FD-4370-8A10-5BE52A97A495}" type="slidenum">
+              <a:rPr lang="en-US" smtClean="0"/>
+              <a:t>8</a:t>
+            </a:fld>
+            <a:endParaRPr lang="en-US"/>
+          </a:p>
+        </p:txBody>
+      </p:sp>
+    </p:spTree>
+    <p:extLst>
+      <p:ext uri="{BB962C8B-B14F-4D97-AF65-F5344CB8AC3E}">
+        <p14:creationId xmlns:p14="http://schemas.microsoft.com/office/powerpoint/2010/main" val="3537375325"/>
+      </p:ext>
+    </p:extLst>
+  </p:cSld>
+  <p:clrMapOvr>
+    <a:masterClrMapping/>
+  </p:clrMapOvr>
+</p:notes>
 </file>
 
 <file path=ppt/slideLayouts/slideLayout1.xml><?xml version="1.0" encoding="utf-8"?>
@@ -5443,6 +5702,102 @@
 </p:sld>
 </file>
 
+<file path=ppt/slides/slide10.xml><?xml version="1.0" encoding="utf-8"?>
+<p:sld xmlns:a="http://schemas.openxmlformats.org/drawingml/2006/main" xmlns:r="http://schemas.openxmlformats.org/officeDocument/2006/relationships" xmlns:p="http://schemas.openxmlformats.org/presentationml/2006/main">
+  <p:cSld>
+    <p:spTree>
+      <p:nvGrpSpPr>
+        <p:cNvPr id="1" name=""/>
+        <p:cNvGrpSpPr/>
+        <p:nvPr/>
+      </p:nvGrpSpPr>
+      <p:grpSpPr>
+        <a:xfrm>
+          <a:off x="0" y="0"/>
+          <a:ext cx="0" cy="0"/>
+          <a:chOff x="0" y="0"/>
+          <a:chExt cx="0" cy="0"/>
+        </a:xfrm>
+      </p:grpSpPr>
+      <p:sp>
+        <p:nvSpPr>
+          <p:cNvPr id="2" name="Title 1">
+            <a:extLst>
+              <a:ext uri="{FF2B5EF4-FFF2-40B4-BE49-F238E27FC236}">
+                <a16:creationId xmlns:a16="http://schemas.microsoft.com/office/drawing/2014/main" id="{1E4C2A9E-C0F4-4E0F-AFFE-27A0CF3625B5}"/>
+              </a:ext>
+            </a:extLst>
+          </p:cNvPr>
+          <p:cNvSpPr>
+            <a:spLocks noGrp="1"/>
+          </p:cNvSpPr>
+          <p:nvPr>
+            <p:ph type="title"/>
+          </p:nvPr>
+        </p:nvSpPr>
+        <p:spPr/>
+        <p:txBody>
+          <a:bodyPr/>
+          <a:lstStyle/>
+          <a:p>
+            <a:r>
+              <a:rPr lang="en-US" dirty="0"/>
+              <a:t>Week 13 Group Exercise</a:t>
+            </a:r>
+          </a:p>
+        </p:txBody>
+      </p:sp>
+      <p:sp>
+        <p:nvSpPr>
+          <p:cNvPr id="3" name="Content Placeholder 2">
+            <a:extLst>
+              <a:ext uri="{FF2B5EF4-FFF2-40B4-BE49-F238E27FC236}">
+                <a16:creationId xmlns:a16="http://schemas.microsoft.com/office/drawing/2014/main" id="{D327E97E-AE1B-400B-A18F-C9C7C854DCEB}"/>
+              </a:ext>
+            </a:extLst>
+          </p:cNvPr>
+          <p:cNvSpPr>
+            <a:spLocks noGrp="1"/>
+          </p:cNvSpPr>
+          <p:nvPr>
+            <p:ph idx="1"/>
+          </p:nvPr>
+        </p:nvSpPr>
+        <p:spPr/>
+        <p:txBody>
+          <a:bodyPr vert="horz" lIns="91440" tIns="45720" rIns="91440" bIns="45720" rtlCol="0" anchor="t">
+            <a:normAutofit/>
+          </a:bodyPr>
+          <a:lstStyle/>
+          <a:p>
+            <a:r>
+              <a:rPr lang="en-US" spc="0" dirty="0"/>
+              <a:t>Once you finish and have submitted your exercise in Canvas via a </a:t>
+            </a:r>
+            <a:r>
+              <a:rPr lang="en-US" spc="0" dirty="0" err="1"/>
+              <a:t>github</a:t>
+            </a:r>
+            <a:r>
+              <a:rPr lang="en-US" spc="0" dirty="0"/>
+              <a:t> link, use the remaining time to work on your homework.</a:t>
+            </a:r>
+          </a:p>
+        </p:txBody>
+      </p:sp>
+    </p:spTree>
+    <p:extLst>
+      <p:ext uri="{BB962C8B-B14F-4D97-AF65-F5344CB8AC3E}">
+        <p14:creationId xmlns:p14="http://schemas.microsoft.com/office/powerpoint/2010/main" val="656484464"/>
+      </p:ext>
+    </p:extLst>
+  </p:cSld>
+  <p:clrMapOvr>
+    <a:masterClrMapping/>
+  </p:clrMapOvr>
+</p:sld>
+</file>
+
 <file path=ppt/slides/slide2.xml><?xml version="1.0" encoding="utf-8"?>
 <p:sld xmlns:a="http://schemas.openxmlformats.org/drawingml/2006/main" xmlns:r="http://schemas.openxmlformats.org/officeDocument/2006/relationships" xmlns:p="http://schemas.openxmlformats.org/presentationml/2006/main">
   <p:cSld>
@@ -5755,7 +6110,7 @@
           <p:cNvPr id="2" name="Title 1">
             <a:extLst>
               <a:ext uri="{FF2B5EF4-FFF2-40B4-BE49-F238E27FC236}">
-                <a16:creationId xmlns:a16="http://schemas.microsoft.com/office/drawing/2014/main" id="{FEDCB795-63B0-45B0-8522-6885E837848B}"/>
+                <a16:creationId xmlns:a16="http://schemas.microsoft.com/office/drawing/2014/main" id="{2A0C9993-64B8-47DA-BE28-BBEC05F795DC}"/>
               </a:ext>
             </a:extLst>
           </p:cNvPr>
@@ -5771,14 +6126,7 @@
           <a:bodyPr/>
           <a:lstStyle/>
           <a:p>
-            <a:r>
-              <a:rPr lang="en-US"/>
-              <a:t>Linear </a:t>
-            </a:r>
-            <a:r>
-              <a:rPr lang="en-US" dirty="0"/>
-              <a:t>Regression</a:t>
-            </a:r>
+            <a:endParaRPr lang="en-US"/>
           </a:p>
         </p:txBody>
       </p:sp>
@@ -5787,7 +6135,7 @@
           <p:cNvPr id="3" name="Content Placeholder 2">
             <a:extLst>
               <a:ext uri="{FF2B5EF4-FFF2-40B4-BE49-F238E27FC236}">
-                <a16:creationId xmlns:a16="http://schemas.microsoft.com/office/drawing/2014/main" id="{94C41149-53A6-497B-B5EF-87CE8537648D}"/>
+                <a16:creationId xmlns:a16="http://schemas.microsoft.com/office/drawing/2014/main" id="{0C5496E8-7C2D-431E-A494-EA7FEF3233F6}"/>
               </a:ext>
             </a:extLst>
           </p:cNvPr>
@@ -5807,10 +6155,68 @@
           </a:p>
         </p:txBody>
       </p:sp>
+      <p:pic>
+        <p:nvPicPr>
+          <p:cNvPr id="4" name="Picture 2">
+            <a:extLst>
+              <a:ext uri="{FF2B5EF4-FFF2-40B4-BE49-F238E27FC236}">
+                <a16:creationId xmlns:a16="http://schemas.microsoft.com/office/drawing/2014/main" id="{81DD0A8F-6E69-43CA-835E-006FAC9AFC2E}"/>
+              </a:ext>
+            </a:extLst>
+          </p:cNvPr>
+          <p:cNvPicPr>
+            <a:picLocks noChangeAspect="1" noChangeArrowheads="1"/>
+          </p:cNvPicPr>
+          <p:nvPr/>
+        </p:nvPicPr>
+        <p:blipFill rotWithShape="1">
+          <a:blip r:embed="rId3">
+            <a:extLst>
+              <a:ext uri="{28A0092B-C50C-407E-A947-70E740481C1C}">
+                <a14:useLocalDpi xmlns:a14="http://schemas.microsoft.com/office/drawing/2010/main" val="0"/>
+              </a:ext>
+            </a:extLst>
+          </a:blip>
+          <a:srcRect l="-7800" t="16317" b="-3389"/>
+          <a:stretch/>
+        </p:blipFill>
+        <p:spPr bwMode="auto">
+          <a:xfrm>
+            <a:off x="427736" y="1085850"/>
+            <a:ext cx="9857232" cy="5645150"/>
+          </a:xfrm>
+          <a:prstGeom prst="rect">
+            <a:avLst/>
+          </a:prstGeom>
+          <a:noFill/>
+          <a:ln>
+            <a:noFill/>
+          </a:ln>
+          <a:extLst>
+            <a:ext uri="{909E8E84-426E-40DD-AFC4-6F175D3DCCD1}">
+              <a14:hiddenFill xmlns:a14="http://schemas.microsoft.com/office/drawing/2010/main">
+                <a:solidFill>
+                  <a:srgbClr val="FFFFFF"/>
+                </a:solidFill>
+              </a14:hiddenFill>
+            </a:ext>
+            <a:ext uri="{91240B29-F687-4F45-9708-019B960494DF}">
+              <a14:hiddenLine xmlns:a14="http://schemas.microsoft.com/office/drawing/2010/main" w="9525">
+                <a:solidFill>
+                  <a:srgbClr val="000000"/>
+                </a:solidFill>
+                <a:miter lim="800000"/>
+                <a:headEnd/>
+                <a:tailEnd/>
+              </a14:hiddenLine>
+            </a:ext>
+          </a:extLst>
+        </p:spPr>
+      </p:pic>
     </p:spTree>
     <p:extLst>
       <p:ext uri="{BB962C8B-B14F-4D97-AF65-F5344CB8AC3E}">
-        <p14:creationId xmlns:p14="http://schemas.microsoft.com/office/powerpoint/2010/main" val="3191208417"/>
+        <p14:creationId xmlns:p14="http://schemas.microsoft.com/office/powerpoint/2010/main" val="3762429217"/>
       </p:ext>
     </p:extLst>
   </p:cSld>
@@ -5839,10 +6245,10 @@
       </p:grpSpPr>
       <p:sp>
         <p:nvSpPr>
-          <p:cNvPr id="4" name="Title 3">
+          <p:cNvPr id="2" name="Title 1">
             <a:extLst>
               <a:ext uri="{FF2B5EF4-FFF2-40B4-BE49-F238E27FC236}">
-                <a16:creationId xmlns:a16="http://schemas.microsoft.com/office/drawing/2014/main" id="{297BDE90-8DCF-4039-AB05-11C3F09C3813}"/>
+                <a16:creationId xmlns:a16="http://schemas.microsoft.com/office/drawing/2014/main" id="{FEDCB795-63B0-45B0-8522-6885E837848B}"/>
               </a:ext>
             </a:extLst>
           </p:cNvPr>
@@ -5850,7 +6256,7 @@
             <a:spLocks noGrp="1"/>
           </p:cNvSpPr>
           <p:nvPr>
-            <p:ph type="ctrTitle"/>
+            <p:ph type="title"/>
           </p:nvPr>
         </p:nvSpPr>
         <p:spPr/>
@@ -5859,18 +6265,22 @@
           <a:lstStyle/>
           <a:p>
             <a:r>
+              <a:rPr lang="en-US"/>
+              <a:t>Linear </a:t>
+            </a:r>
+            <a:r>
               <a:rPr lang="en-US" dirty="0"/>
-              <a:t>Break (5 Minutes)</a:t>
-            </a:r>
-          </a:p>
-        </p:txBody>
-      </p:sp>
-      <p:sp>
-        <p:nvSpPr>
-          <p:cNvPr id="5" name="Subtitle 4">
+              <a:t>Regression</a:t>
+            </a:r>
+          </a:p>
+        </p:txBody>
+      </p:sp>
+      <p:sp>
+        <p:nvSpPr>
+          <p:cNvPr id="3" name="Content Placeholder 2">
             <a:extLst>
               <a:ext uri="{FF2B5EF4-FFF2-40B4-BE49-F238E27FC236}">
-                <a16:creationId xmlns:a16="http://schemas.microsoft.com/office/drawing/2014/main" id="{AE43AD4D-53BE-4D90-B4EE-A313556AC5A9}"/>
+                <a16:creationId xmlns:a16="http://schemas.microsoft.com/office/drawing/2014/main" id="{94C41149-53A6-497B-B5EF-87CE8537648D}"/>
               </a:ext>
             </a:extLst>
           </p:cNvPr>
@@ -5878,56 +6288,63 @@
             <a:spLocks noGrp="1"/>
           </p:cNvSpPr>
           <p:nvPr>
-            <p:ph type="subTitle" idx="1"/>
+            <p:ph idx="1"/>
           </p:nvPr>
         </p:nvSpPr>
         <p:spPr/>
         <p:txBody>
-          <a:bodyPr/>
+          <a:bodyPr>
+            <a:normAutofit/>
+          </a:bodyPr>
           <a:lstStyle/>
           <a:p>
             <a:r>
               <a:rPr lang="en-US" dirty="0"/>
-              <a:t>Attendance </a:t>
-            </a:r>
-            <a:r>
-              <a:rPr lang="en-US" dirty="0" err="1"/>
-              <a:t>word:</a:t>
-            </a:r>
-            <a:r>
-              <a:rPr lang="en-US" b="0" i="0" dirty="0" err="1">
-                <a:solidFill>
-                  <a:schemeClr val="tx1"/>
-                </a:solidFill>
-                <a:effectLst/>
-                <a:latin typeface="Slack-Lato"/>
-              </a:rPr>
-              <a:t>CSSConjurer</a:t>
-            </a:r>
-            <a:r>
-              <a:rPr lang="en-US" b="0" i="0" dirty="0">
-                <a:solidFill>
-                  <a:srgbClr val="1D1C1D"/>
-                </a:solidFill>
-                <a:effectLst/>
-                <a:latin typeface="Slack-Lato"/>
-              </a:rPr>
-              <a:t> </a:t>
-            </a:r>
-            <a:endParaRPr lang="en-US" dirty="0">
-              <a:solidFill>
-                <a:schemeClr val="tx1">
-                  <a:lumMod val="95000"/>
-                </a:schemeClr>
-              </a:solidFill>
-            </a:endParaRPr>
+              <a:t>Purpose of linear regression is to model and predict the relationship between independent and dependent variables. Univariate linear regression predicts a dependent variable from ONE independent variable whereas multivariate linear regression predicts a dependent variable from MULTIPLE independent variables</a:t>
+            </a:r>
+          </a:p>
+          <a:p>
+            <a:pPr marL="0" indent="0">
+              <a:buNone/>
+            </a:pPr>
+            <a:r>
+              <a:rPr lang="en-US" dirty="0"/>
+              <a:t>y = mx + b</a:t>
+            </a:r>
+          </a:p>
+          <a:p>
+            <a:r>
+              <a:rPr lang="en-US" dirty="0"/>
+              <a:t>Use mean squared error and R² (R-squared) to validate model performance. </a:t>
+            </a:r>
+          </a:p>
+          <a:p>
+            <a:pPr marL="0" indent="0">
+              <a:buNone/>
+            </a:pPr>
+            <a:endParaRPr lang="en-US" dirty="0"/>
+          </a:p>
+          <a:p>
+            <a:pPr marL="0" indent="0">
+              <a:buNone/>
+            </a:pPr>
+            <a:r>
+              <a:rPr lang="en-US" dirty="0"/>
+              <a:t>* Sometimes data is nonlinear and another type of regression will better model and predict what’s happening</a:t>
+            </a:r>
+          </a:p>
+          <a:p>
+            <a:pPr marL="0" indent="0">
+              <a:buNone/>
+            </a:pPr>
+            <a:endParaRPr lang="en-US" dirty="0"/>
           </a:p>
         </p:txBody>
       </p:sp>
     </p:spTree>
     <p:extLst>
       <p:ext uri="{BB962C8B-B14F-4D97-AF65-F5344CB8AC3E}">
-        <p14:creationId xmlns:p14="http://schemas.microsoft.com/office/powerpoint/2010/main" val="2787214284"/>
+        <p14:creationId xmlns:p14="http://schemas.microsoft.com/office/powerpoint/2010/main" val="3191208417"/>
       </p:ext>
     </p:extLst>
   </p:cSld>
@@ -5959,7 +6376,7 @@
           <p:cNvPr id="2" name="Title 1">
             <a:extLst>
               <a:ext uri="{FF2B5EF4-FFF2-40B4-BE49-F238E27FC236}">
-                <a16:creationId xmlns:a16="http://schemas.microsoft.com/office/drawing/2014/main" id="{1E4C2A9E-C0F4-4E0F-AFFE-27A0CF3625B5}"/>
+                <a16:creationId xmlns:a16="http://schemas.microsoft.com/office/drawing/2014/main" id="{73570AA8-B061-4A6A-A331-53DE3DC6EAF6}"/>
               </a:ext>
             </a:extLst>
           </p:cNvPr>
@@ -5977,7 +6394,7 @@
           <a:p>
             <a:r>
               <a:rPr lang="en-US" dirty="0"/>
-              <a:t>Week 13 Group Exercise</a:t>
+              <a:t>Mean Squared Error</a:t>
             </a:r>
           </a:p>
         </p:txBody>
@@ -5987,7 +6404,7 @@
           <p:cNvPr id="3" name="Content Placeholder 2">
             <a:extLst>
               <a:ext uri="{FF2B5EF4-FFF2-40B4-BE49-F238E27FC236}">
-                <a16:creationId xmlns:a16="http://schemas.microsoft.com/office/drawing/2014/main" id="{D327E97E-AE1B-400B-A18F-C9C7C854DCEB}"/>
+                <a16:creationId xmlns:a16="http://schemas.microsoft.com/office/drawing/2014/main" id="{66A7513C-0D91-4F34-B078-A490BC37BA55}"/>
               </a:ext>
             </a:extLst>
           </p:cNvPr>
@@ -6000,30 +6417,562 @@
         </p:nvSpPr>
         <p:spPr/>
         <p:txBody>
-          <a:bodyPr vert="horz" lIns="91440" tIns="45720" rIns="91440" bIns="45720" rtlCol="0" anchor="t">
+          <a:bodyPr/>
+          <a:lstStyle/>
+          <a:p>
+            <a:endParaRPr lang="en-US" dirty="0"/>
+          </a:p>
+        </p:txBody>
+      </p:sp>
+      <p:pic>
+        <p:nvPicPr>
+          <p:cNvPr id="5" name="Picture 4">
+            <a:extLst>
+              <a:ext uri="{FF2B5EF4-FFF2-40B4-BE49-F238E27FC236}">
+                <a16:creationId xmlns:a16="http://schemas.microsoft.com/office/drawing/2014/main" id="{7F5A6AB9-11F4-415E-9B16-9D3E3F1366CE}"/>
+              </a:ext>
+            </a:extLst>
+          </p:cNvPr>
+          <p:cNvPicPr>
+            <a:picLocks noChangeAspect="1"/>
+          </p:cNvPicPr>
+          <p:nvPr/>
+        </p:nvPicPr>
+        <p:blipFill>
+          <a:blip r:embed="rId3"/>
+          <a:stretch>
+            <a:fillRect/>
+          </a:stretch>
+        </p:blipFill>
+        <p:spPr>
+          <a:xfrm>
+            <a:off x="981076" y="1828800"/>
+            <a:ext cx="4133850" cy="2800350"/>
+          </a:xfrm>
+          <a:prstGeom prst="rect">
+            <a:avLst/>
+          </a:prstGeom>
+        </p:spPr>
+      </p:pic>
+      <p:pic>
+        <p:nvPicPr>
+          <p:cNvPr id="1026" name="Picture 2">
+            <a:extLst>
+              <a:ext uri="{FF2B5EF4-FFF2-40B4-BE49-F238E27FC236}">
+                <a16:creationId xmlns:a16="http://schemas.microsoft.com/office/drawing/2014/main" id="{26E9F03E-828F-467C-A22B-6E06D837639F}"/>
+              </a:ext>
+            </a:extLst>
+          </p:cNvPr>
+          <p:cNvPicPr>
+            <a:picLocks noChangeAspect="1" noChangeArrowheads="1"/>
+          </p:cNvPicPr>
+          <p:nvPr/>
+        </p:nvPicPr>
+        <p:blipFill>
+          <a:blip r:embed="rId4">
+            <a:extLst>
+              <a:ext uri="{28A0092B-C50C-407E-A947-70E740481C1C}">
+                <a14:useLocalDpi xmlns:a14="http://schemas.microsoft.com/office/drawing/2010/main" val="0"/>
+              </a:ext>
+            </a:extLst>
+          </a:blip>
+          <a:srcRect/>
+          <a:stretch>
+            <a:fillRect/>
+          </a:stretch>
+        </p:blipFill>
+        <p:spPr bwMode="auto">
+          <a:xfrm>
+            <a:off x="6150494" y="1691322"/>
+            <a:ext cx="3987534" cy="3925765"/>
+          </a:xfrm>
+          <a:prstGeom prst="rect">
+            <a:avLst/>
+          </a:prstGeom>
+          <a:noFill/>
+          <a:extLst>
+            <a:ext uri="{909E8E84-426E-40DD-AFC4-6F175D3DCCD1}">
+              <a14:hiddenFill xmlns:a14="http://schemas.microsoft.com/office/drawing/2010/main">
+                <a:solidFill>
+                  <a:srgbClr val="FFFFFF"/>
+                </a:solidFill>
+              </a14:hiddenFill>
+            </a:ext>
+          </a:extLst>
+        </p:spPr>
+      </p:pic>
+    </p:spTree>
+    <p:extLst>
+      <p:ext uri="{BB962C8B-B14F-4D97-AF65-F5344CB8AC3E}">
+        <p14:creationId xmlns:p14="http://schemas.microsoft.com/office/powerpoint/2010/main" val="125023499"/>
+      </p:ext>
+    </p:extLst>
+  </p:cSld>
+  <p:clrMapOvr>
+    <a:masterClrMapping/>
+  </p:clrMapOvr>
+</p:sld>
+</file>
+
+<file path=ppt/slides/slide7.xml><?xml version="1.0" encoding="utf-8"?>
+<p:sld xmlns:a="http://schemas.openxmlformats.org/drawingml/2006/main" xmlns:r="http://schemas.openxmlformats.org/officeDocument/2006/relationships" xmlns:p="http://schemas.openxmlformats.org/presentationml/2006/main">
+  <p:cSld>
+    <p:spTree>
+      <p:nvGrpSpPr>
+        <p:cNvPr id="1" name=""/>
+        <p:cNvGrpSpPr/>
+        <p:nvPr/>
+      </p:nvGrpSpPr>
+      <p:grpSpPr>
+        <a:xfrm>
+          <a:off x="0" y="0"/>
+          <a:ext cx="0" cy="0"/>
+          <a:chOff x="0" y="0"/>
+          <a:chExt cx="0" cy="0"/>
+        </a:xfrm>
+      </p:grpSpPr>
+      <p:sp>
+        <p:nvSpPr>
+          <p:cNvPr id="2" name="Title 1">
+            <a:extLst>
+              <a:ext uri="{FF2B5EF4-FFF2-40B4-BE49-F238E27FC236}">
+                <a16:creationId xmlns:a16="http://schemas.microsoft.com/office/drawing/2014/main" id="{3CE176F6-EF9C-40F9-96B7-1D4D59F77B99}"/>
+              </a:ext>
+            </a:extLst>
+          </p:cNvPr>
+          <p:cNvSpPr>
+            <a:spLocks noGrp="1"/>
+          </p:cNvSpPr>
+          <p:nvPr>
+            <p:ph type="title"/>
+          </p:nvPr>
+        </p:nvSpPr>
+        <p:spPr/>
+        <p:txBody>
+          <a:bodyPr/>
+          <a:lstStyle/>
+          <a:p>
+            <a:r>
+              <a:rPr lang="en-US" dirty="0"/>
+              <a:t>R and R-Squared</a:t>
+            </a:r>
+          </a:p>
+        </p:txBody>
+      </p:sp>
+      <p:sp>
+        <p:nvSpPr>
+          <p:cNvPr id="3" name="Content Placeholder 2">
+            <a:extLst>
+              <a:ext uri="{FF2B5EF4-FFF2-40B4-BE49-F238E27FC236}">
+                <a16:creationId xmlns:a16="http://schemas.microsoft.com/office/drawing/2014/main" id="{383C41FF-F078-42E4-83D7-7297638847FC}"/>
+              </a:ext>
+            </a:extLst>
+          </p:cNvPr>
+          <p:cNvSpPr>
+            <a:spLocks noGrp="1"/>
+          </p:cNvSpPr>
+          <p:nvPr>
+            <p:ph idx="1"/>
+          </p:nvPr>
+        </p:nvSpPr>
+        <p:spPr>
+          <a:xfrm>
+            <a:off x="1261872" y="1828800"/>
+            <a:ext cx="8595360" cy="2426677"/>
+          </a:xfrm>
+        </p:spPr>
+        <p:txBody>
+          <a:bodyPr/>
+          <a:lstStyle/>
+          <a:p>
+            <a:r>
+              <a:rPr lang="en-US" dirty="0"/>
+              <a:t>R is the correlation between two variables</a:t>
+            </a:r>
+          </a:p>
+          <a:p>
+            <a:r>
+              <a:rPr lang="en-US" dirty="0"/>
+              <a:t>R² is the square of the correlation </a:t>
+            </a:r>
+          </a:p>
+          <a:p>
+            <a:r>
+              <a:rPr lang="en-US" dirty="0"/>
+              <a:t>R² represents how close the data is to the regression line OR how well the model fits the raw data</a:t>
+            </a:r>
+          </a:p>
+          <a:p>
+            <a:r>
+              <a:rPr lang="en-US" dirty="0"/>
+              <a:t>R² is between 0 and 1, and the closer this value is to 1 the more variability is explained by the model</a:t>
+            </a:r>
+          </a:p>
+        </p:txBody>
+      </p:sp>
+      <p:pic>
+        <p:nvPicPr>
+          <p:cNvPr id="2050" name="Picture 2" descr="plots with different correlation coefficients">
+            <a:extLst>
+              <a:ext uri="{FF2B5EF4-FFF2-40B4-BE49-F238E27FC236}">
+                <a16:creationId xmlns:a16="http://schemas.microsoft.com/office/drawing/2014/main" id="{108EE3AC-8E36-4ADE-A02E-BB3D312B2FDB}"/>
+              </a:ext>
+            </a:extLst>
+          </p:cNvPr>
+          <p:cNvPicPr>
+            <a:picLocks noChangeAspect="1" noChangeArrowheads="1"/>
+          </p:cNvPicPr>
+          <p:nvPr/>
+        </p:nvPicPr>
+        <p:blipFill>
+          <a:blip r:embed="rId2" cstate="print">
+            <a:extLst>
+              <a:ext uri="{28A0092B-C50C-407E-A947-70E740481C1C}">
+                <a14:useLocalDpi xmlns:a14="http://schemas.microsoft.com/office/drawing/2010/main" val="0"/>
+              </a:ext>
+            </a:extLst>
+          </a:blip>
+          <a:srcRect/>
+          <a:stretch>
+            <a:fillRect/>
+          </a:stretch>
+        </p:blipFill>
+        <p:spPr bwMode="auto">
+          <a:xfrm>
+            <a:off x="12192" y="4346575"/>
+            <a:ext cx="12192000" cy="2511425"/>
+          </a:xfrm>
+          <a:prstGeom prst="rect">
+            <a:avLst/>
+          </a:prstGeom>
+          <a:noFill/>
+          <a:extLst>
+            <a:ext uri="{909E8E84-426E-40DD-AFC4-6F175D3DCCD1}">
+              <a14:hiddenFill xmlns:a14="http://schemas.microsoft.com/office/drawing/2010/main">
+                <a:solidFill>
+                  <a:srgbClr val="FFFFFF"/>
+                </a:solidFill>
+              </a14:hiddenFill>
+            </a:ext>
+          </a:extLst>
+        </p:spPr>
+      </p:pic>
+    </p:spTree>
+    <p:extLst>
+      <p:ext uri="{BB962C8B-B14F-4D97-AF65-F5344CB8AC3E}">
+        <p14:creationId xmlns:p14="http://schemas.microsoft.com/office/powerpoint/2010/main" val="1101701827"/>
+      </p:ext>
+    </p:extLst>
+  </p:cSld>
+  <p:clrMapOvr>
+    <a:masterClrMapping/>
+  </p:clrMapOvr>
+</p:sld>
+</file>
+
+<file path=ppt/slides/slide8.xml><?xml version="1.0" encoding="utf-8"?>
+<p:sld xmlns:a="http://schemas.openxmlformats.org/drawingml/2006/main" xmlns:r="http://schemas.openxmlformats.org/officeDocument/2006/relationships" xmlns:p="http://schemas.openxmlformats.org/presentationml/2006/main">
+  <p:cSld>
+    <p:bg>
+      <p:bgPr>
+        <a:solidFill>
+          <a:schemeClr val="bg1"/>
+        </a:solidFill>
+        <a:effectLst/>
+      </p:bgPr>
+    </p:bg>
+    <p:spTree>
+      <p:nvGrpSpPr>
+        <p:cNvPr id="1" name=""/>
+        <p:cNvGrpSpPr/>
+        <p:nvPr/>
+      </p:nvGrpSpPr>
+      <p:grpSpPr>
+        <a:xfrm>
+          <a:off x="0" y="0"/>
+          <a:ext cx="0" cy="0"/>
+          <a:chOff x="0" y="0"/>
+          <a:chExt cx="0" cy="0"/>
+        </a:xfrm>
+      </p:grpSpPr>
+      <p:sp>
+        <p:nvSpPr>
+          <p:cNvPr id="2" name="Title 1">
+            <a:extLst>
+              <a:ext uri="{FF2B5EF4-FFF2-40B4-BE49-F238E27FC236}">
+                <a16:creationId xmlns:a16="http://schemas.microsoft.com/office/drawing/2014/main" id="{37379B1D-E653-4B71-9C95-7635E5A2D96A}"/>
+              </a:ext>
+            </a:extLst>
+          </p:cNvPr>
+          <p:cNvSpPr>
+            <a:spLocks noGrp="1"/>
+          </p:cNvSpPr>
+          <p:nvPr>
+            <p:ph type="title"/>
+          </p:nvPr>
+        </p:nvSpPr>
+        <p:spPr>
+          <a:xfrm>
+            <a:off x="643831" y="640080"/>
+            <a:ext cx="4373646" cy="1325562"/>
+          </a:xfrm>
+        </p:spPr>
+        <p:txBody>
+          <a:bodyPr>
             <a:normAutofit/>
           </a:bodyPr>
           <a:lstStyle/>
           <a:p>
             <a:r>
-              <a:rPr lang="en-US" spc="0" dirty="0"/>
-              <a:t>Once you finish and have submitted your exercise in Canvas via a </a:t>
-            </a:r>
-            <a:r>
-              <a:rPr lang="en-US" spc="0" dirty="0" err="1"/>
-              <a:t>github</a:t>
-            </a:r>
-            <a:r>
-              <a:rPr lang="en-US" spc="0" dirty="0"/>
-              <a:t> link, use the remaining time to work on your homework.</a:t>
-            </a:r>
-          </a:p>
-        </p:txBody>
-      </p:sp>
+              <a:rPr lang="en-US" sz="3200" dirty="0"/>
+              <a:t>Classification - KNN</a:t>
+            </a:r>
+          </a:p>
+        </p:txBody>
+      </p:sp>
+      <p:sp>
+        <p:nvSpPr>
+          <p:cNvPr id="3" name="Content Placeholder 2">
+            <a:extLst>
+              <a:ext uri="{FF2B5EF4-FFF2-40B4-BE49-F238E27FC236}">
+                <a16:creationId xmlns:a16="http://schemas.microsoft.com/office/drawing/2014/main" id="{21DBD595-D161-4A78-AC26-63F40D6E1E8B}"/>
+              </a:ext>
+            </a:extLst>
+          </p:cNvPr>
+          <p:cNvSpPr>
+            <a:spLocks noGrp="1"/>
+          </p:cNvSpPr>
+          <p:nvPr>
+            <p:ph idx="1"/>
+          </p:nvPr>
+        </p:nvSpPr>
+        <p:spPr>
+          <a:xfrm>
+            <a:off x="643831" y="1936955"/>
+            <a:ext cx="4373646" cy="4243182"/>
+          </a:xfrm>
+        </p:spPr>
+        <p:txBody>
+          <a:bodyPr>
+            <a:normAutofit/>
+          </a:bodyPr>
+          <a:lstStyle/>
+          <a:p>
+            <a:pPr marL="0" indent="0">
+              <a:buNone/>
+            </a:pPr>
+            <a:r>
+              <a:rPr lang="en-US" sz="1600" dirty="0"/>
+              <a:t>K-nearest neighbor predicts the group of a datapoint based on majority “votes” from nearest neighbors</a:t>
+            </a:r>
+          </a:p>
+          <a:p>
+            <a:pPr marL="0" indent="0">
+              <a:buNone/>
+            </a:pPr>
+            <a:r>
+              <a:rPr lang="en-US" sz="1600" dirty="0"/>
+              <a:t>K represents the hyperparameter which indicates how many data points any new datapoint must listen to in order to decide what class it is </a:t>
+            </a:r>
+            <a:r>
+              <a:rPr lang="en-US" sz="1600"/>
+              <a:t>in.</a:t>
+            </a:r>
+          </a:p>
+          <a:p>
+            <a:pPr marL="0" indent="0">
+              <a:buNone/>
+            </a:pPr>
+            <a:r>
+              <a:rPr lang="en-US" sz="1600"/>
+              <a:t> </a:t>
+            </a:r>
+            <a:endParaRPr lang="en-US" sz="1600" dirty="0"/>
+          </a:p>
+          <a:p>
+            <a:pPr marL="0" indent="0">
+              <a:buNone/>
+            </a:pPr>
+            <a:r>
+              <a:rPr lang="en-US" sz="1600" dirty="0"/>
+              <a:t>Performance measured by accuracy</a:t>
+            </a:r>
+          </a:p>
+          <a:p>
+            <a:r>
+              <a:rPr lang="en-US" sz="1600" dirty="0"/>
+              <a:t>Accuracy = number of correct predictions/total predictions</a:t>
+            </a:r>
+          </a:p>
+        </p:txBody>
+      </p:sp>
+      <p:pic>
+        <p:nvPicPr>
+          <p:cNvPr id="3074" name="Picture 2">
+            <a:extLst>
+              <a:ext uri="{FF2B5EF4-FFF2-40B4-BE49-F238E27FC236}">
+                <a16:creationId xmlns:a16="http://schemas.microsoft.com/office/drawing/2014/main" id="{958C6C62-1536-4982-9CD4-AD682D700260}"/>
+              </a:ext>
+            </a:extLst>
+          </p:cNvPr>
+          <p:cNvPicPr>
+            <a:picLocks noChangeAspect="1" noChangeArrowheads="1"/>
+          </p:cNvPicPr>
+          <p:nvPr/>
+        </p:nvPicPr>
+        <p:blipFill>
+          <a:blip r:embed="rId3">
+            <a:extLst>
+              <a:ext uri="{28A0092B-C50C-407E-A947-70E740481C1C}">
+                <a14:useLocalDpi xmlns:a14="http://schemas.microsoft.com/office/drawing/2010/main" val="0"/>
+              </a:ext>
+            </a:extLst>
+          </a:blip>
+          <a:stretch>
+            <a:fillRect/>
+          </a:stretch>
+        </p:blipFill>
+        <p:spPr bwMode="auto">
+          <a:xfrm>
+            <a:off x="5418313" y="1242646"/>
+            <a:ext cx="5263914" cy="4985535"/>
+          </a:xfrm>
+          <a:prstGeom prst="rect">
+            <a:avLst/>
+          </a:prstGeom>
+          <a:noFill/>
+          <a:extLst>
+            <a:ext uri="{909E8E84-426E-40DD-AFC4-6F175D3DCCD1}">
+              <a14:hiddenFill xmlns:a14="http://schemas.microsoft.com/office/drawing/2010/main">
+                <a:solidFill>
+                  <a:srgbClr val="FFFFFF"/>
+                </a:solidFill>
+              </a14:hiddenFill>
+            </a:ext>
+          </a:extLst>
+        </p:spPr>
+      </p:pic>
     </p:spTree>
     <p:extLst>
       <p:ext uri="{BB962C8B-B14F-4D97-AF65-F5344CB8AC3E}">
-        <p14:creationId xmlns:p14="http://schemas.microsoft.com/office/powerpoint/2010/main" val="656484464"/>
+        <p14:creationId xmlns:p14="http://schemas.microsoft.com/office/powerpoint/2010/main" val="1752373564"/>
+      </p:ext>
+    </p:extLst>
+  </p:cSld>
+  <p:clrMapOvr>
+    <a:masterClrMapping/>
+  </p:clrMapOvr>
+</p:sld>
+</file>
+
+<file path=ppt/slides/slide9.xml><?xml version="1.0" encoding="utf-8"?>
+<p:sld xmlns:a="http://schemas.openxmlformats.org/drawingml/2006/main" xmlns:r="http://schemas.openxmlformats.org/officeDocument/2006/relationships" xmlns:p="http://schemas.openxmlformats.org/presentationml/2006/main">
+  <p:cSld>
+    <p:spTree>
+      <p:nvGrpSpPr>
+        <p:cNvPr id="1" name=""/>
+        <p:cNvGrpSpPr/>
+        <p:nvPr/>
+      </p:nvGrpSpPr>
+      <p:grpSpPr>
+        <a:xfrm>
+          <a:off x="0" y="0"/>
+          <a:ext cx="0" cy="0"/>
+          <a:chOff x="0" y="0"/>
+          <a:chExt cx="0" cy="0"/>
+        </a:xfrm>
+      </p:grpSpPr>
+      <p:sp>
+        <p:nvSpPr>
+          <p:cNvPr id="4" name="Title 3">
+            <a:extLst>
+              <a:ext uri="{FF2B5EF4-FFF2-40B4-BE49-F238E27FC236}">
+                <a16:creationId xmlns:a16="http://schemas.microsoft.com/office/drawing/2014/main" id="{297BDE90-8DCF-4039-AB05-11C3F09C3813}"/>
+              </a:ext>
+            </a:extLst>
+          </p:cNvPr>
+          <p:cNvSpPr>
+            <a:spLocks noGrp="1"/>
+          </p:cNvSpPr>
+          <p:nvPr>
+            <p:ph type="ctrTitle"/>
+          </p:nvPr>
+        </p:nvSpPr>
+        <p:spPr/>
+        <p:txBody>
+          <a:bodyPr/>
+          <a:lstStyle/>
+          <a:p>
+            <a:r>
+              <a:rPr lang="en-US" dirty="0"/>
+              <a:t>Break (5 Minutes)</a:t>
+            </a:r>
+          </a:p>
+        </p:txBody>
+      </p:sp>
+      <p:sp>
+        <p:nvSpPr>
+          <p:cNvPr id="5" name="Subtitle 4">
+            <a:extLst>
+              <a:ext uri="{FF2B5EF4-FFF2-40B4-BE49-F238E27FC236}">
+                <a16:creationId xmlns:a16="http://schemas.microsoft.com/office/drawing/2014/main" id="{AE43AD4D-53BE-4D90-B4EE-A313556AC5A9}"/>
+              </a:ext>
+            </a:extLst>
+          </p:cNvPr>
+          <p:cNvSpPr>
+            <a:spLocks noGrp="1"/>
+          </p:cNvSpPr>
+          <p:nvPr>
+            <p:ph type="subTitle" idx="1"/>
+          </p:nvPr>
+        </p:nvSpPr>
+        <p:spPr/>
+        <p:txBody>
+          <a:bodyPr/>
+          <a:lstStyle/>
+          <a:p>
+            <a:r>
+              <a:rPr lang="en-US" dirty="0"/>
+              <a:t>Attendance </a:t>
+            </a:r>
+            <a:r>
+              <a:rPr lang="en-US" dirty="0" err="1"/>
+              <a:t>word:</a:t>
+            </a:r>
+            <a:r>
+              <a:rPr lang="en-US" b="0" i="0" dirty="0" err="1">
+                <a:solidFill>
+                  <a:schemeClr val="tx1"/>
+                </a:solidFill>
+                <a:effectLst/>
+                <a:latin typeface="Slack-Lato"/>
+              </a:rPr>
+              <a:t>CSSConjurer</a:t>
+            </a:r>
+            <a:r>
+              <a:rPr lang="en-US" b="0" i="0" dirty="0">
+                <a:solidFill>
+                  <a:srgbClr val="1D1C1D"/>
+                </a:solidFill>
+                <a:effectLst/>
+                <a:latin typeface="Slack-Lato"/>
+              </a:rPr>
+              <a:t> </a:t>
+            </a:r>
+            <a:endParaRPr lang="en-US" dirty="0">
+              <a:solidFill>
+                <a:schemeClr val="tx1">
+                  <a:lumMod val="95000"/>
+                </a:schemeClr>
+              </a:solidFill>
+            </a:endParaRPr>
+          </a:p>
+        </p:txBody>
+      </p:sp>
+    </p:spTree>
+    <p:extLst>
+      <p:ext uri="{BB962C8B-B14F-4D97-AF65-F5344CB8AC3E}">
+        <p14:creationId xmlns:p14="http://schemas.microsoft.com/office/powerpoint/2010/main" val="2787214284"/>
       </p:ext>
     </p:extLst>
   </p:cSld>

--- a/course_material/week_13/week_13_presentation.pptx
+++ b/course_material/week_13/week_13_presentation.pptx
@@ -1832,7 +1832,7 @@
           <a:p>
             <a:fld id="{5CF9EFDB-215C-4120-ADCB-EAD745B7163E}" type="datetimeFigureOut">
               <a:rPr lang="en-US" smtClean="0"/>
-              <a:t>5/22/2021</a:t>
+              <a:t>5/28/2021</a:t>
             </a:fld>
             <a:endParaRPr lang="en-US"/>
           </a:p>
@@ -2548,7 +2548,7 @@
           <a:p>
             <a:fld id="{ACF1A1B0-862D-4909-A7DB-D8ADA062DFCA}" type="datetimeFigureOut">
               <a:rPr lang="en-US" dirty="0"/>
-              <a:t>5/22/2021</a:t>
+              <a:t>5/28/2021</a:t>
             </a:fld>
             <a:endParaRPr lang="en-US"/>
           </a:p>
@@ -2771,7 +2771,7 @@
           <a:p>
             <a:fld id="{7B156144-9CB7-4E3A-B87E-A382F9BE05EF}" type="datetimeFigureOut">
               <a:rPr lang="en-US" dirty="0"/>
-              <a:t>5/22/2021</a:t>
+              <a:t>5/28/2021</a:t>
             </a:fld>
             <a:endParaRPr lang="en-US"/>
           </a:p>
@@ -2949,7 +2949,7 @@
           <a:p>
             <a:fld id="{2643D55F-46AB-4791-9172-4FA8DD3A6A9C}" type="datetimeFigureOut">
               <a:rPr lang="en-US" dirty="0"/>
-              <a:t>5/22/2021</a:t>
+              <a:t>5/28/2021</a:t>
             </a:fld>
             <a:endParaRPr lang="en-US"/>
           </a:p>
@@ -3117,7 +3117,7 @@
           <a:p>
             <a:fld id="{58026881-8A08-449C-8D73-E5F201F814C1}" type="datetimeFigureOut">
               <a:rPr lang="en-US" dirty="0"/>
-              <a:t>5/22/2021</a:t>
+              <a:t>5/28/2021</a:t>
             </a:fld>
             <a:endParaRPr lang="en-US"/>
           </a:p>
@@ -3407,7 +3407,7 @@
           <a:p>
             <a:fld id="{1BEB5A5E-0C07-4E93-A112-D37B4D166B30}" type="datetimeFigureOut">
               <a:rPr lang="en-US" dirty="0"/>
-              <a:t>5/22/2021</a:t>
+              <a:t>5/28/2021</a:t>
             </a:fld>
             <a:endParaRPr lang="en-US"/>
           </a:p>
@@ -3730,7 +3730,7 @@
           <a:p>
             <a:fld id="{9E1F71C5-DC57-4358-A1EA-30C08AF6E3C5}" type="datetimeFigureOut">
               <a:rPr lang="en-US" dirty="0"/>
-              <a:t>5/22/2021</a:t>
+              <a:t>5/28/2021</a:t>
             </a:fld>
             <a:endParaRPr lang="en-US"/>
           </a:p>
@@ -4139,7 +4139,7 @@
           <a:p>
             <a:fld id="{12571DBA-DE60-4731-B773-47AAA185C143}" type="datetimeFigureOut">
               <a:rPr lang="en-US" dirty="0"/>
-              <a:t>5/22/2021</a:t>
+              <a:t>5/28/2021</a:t>
             </a:fld>
             <a:endParaRPr lang="en-US"/>
           </a:p>
@@ -4256,7 +4256,7 @@
           <a:p>
             <a:fld id="{4F170639-886C-4FCF-9EAB-ABB5DA3F3F4A}" type="datetimeFigureOut">
               <a:rPr lang="en-US" dirty="0"/>
-              <a:t>5/22/2021</a:t>
+              <a:t>5/28/2021</a:t>
             </a:fld>
             <a:endParaRPr lang="en-US"/>
           </a:p>
@@ -4351,7 +4351,7 @@
           <a:p>
             <a:fld id="{34C4A628-C83B-4C66-83F4-1711CE3738FD}" type="datetimeFigureOut">
               <a:rPr lang="en-US" dirty="0"/>
-              <a:t>5/22/2021</a:t>
+              <a:t>5/28/2021</a:t>
             </a:fld>
             <a:endParaRPr lang="en-US"/>
           </a:p>
@@ -4636,7 +4636,7 @@
           <a:p>
             <a:fld id="{B88C1D73-9400-43CA-A37F-F9B7D00DE14C}" type="datetimeFigureOut">
               <a:rPr lang="en-US" dirty="0"/>
-              <a:t>5/22/2021</a:t>
+              <a:t>5/28/2021</a:t>
             </a:fld>
             <a:endParaRPr lang="en-US"/>
           </a:p>
@@ -4908,7 +4908,7 @@
           <a:p>
             <a:fld id="{188B7711-B905-4633-B4D7-6F3A49A2E7D9}" type="datetimeFigureOut">
               <a:rPr lang="en-US" dirty="0"/>
-              <a:t>5/22/2021</a:t>
+              <a:t>5/28/2021</a:t>
             </a:fld>
             <a:endParaRPr lang="en-US"/>
           </a:p>
@@ -5158,7 +5158,7 @@
             <a:fld id="{89C235CF-BDA2-4E7E-8BBD-350479985E74}" type="datetimeFigureOut">
               <a:rPr lang="en-US" dirty="0"/>
               <a:pPr/>
-              <a:t>5/22/2021</a:t>
+              <a:t>5/28/2021</a:t>
             </a:fld>
             <a:endParaRPr lang="en-US"/>
           </a:p>
@@ -6300,7 +6300,15 @@
           <a:p>
             <a:r>
               <a:rPr lang="en-US" dirty="0"/>
-              <a:t>Purpose of linear regression is to model and predict the relationship between independent and dependent variables. Univariate linear regression predicts a dependent variable from ONE independent variable whereas multivariate linear regression predicts a dependent variable from MULTIPLE independent variables</a:t>
+              <a:t>Purpose of linear regression is to model and predict the relationship between independent and dependent variables. Univariate linear regression predicts a dependent variable from ONE independent variable </a:t>
+            </a:r>
+            <a:r>
+              <a:rPr lang="en-US"/>
+              <a:t>whereas multiple </a:t>
+            </a:r>
+            <a:r>
+              <a:rPr lang="en-US" dirty="0"/>
+              <a:t>linear regression predicts a dependent variable from MULTIPLE independent variables</a:t>
             </a:r>
           </a:p>
           <a:p>
